--- a/01-DataPreprocessing/slides.pptx
+++ b/01-DataPreprocessing/slides.pptx
@@ -242,7 +242,7 @@
           <a:p>
             <a:fld id="{02297A90-1AFB-4FA1-ADF2-69FD2D1230BA}" type="datetimeFigureOut">
               <a:rPr lang="en-US" smtClean="0"/>
-              <a:t>6/23/2021</a:t>
+              <a:t>6/24/2021</a:t>
             </a:fld>
             <a:endParaRPr lang="en-US"/>
           </a:p>
@@ -320,7 +320,7 @@
           <a:p>
             <a:fld id="{42AE2D9A-5B89-4689-B04D-3FBBAA04CE2B}" type="slidenum">
               <a:rPr lang="en-US" smtClean="0"/>
-              <a:t>‹N›</a:t>
+              <a:t>‹#›</a:t>
             </a:fld>
             <a:endParaRPr lang="en-US"/>
           </a:p>
@@ -420,7 +420,7 @@
           <a:p>
             <a:fld id="{2D15495C-7C85-4DFE-8C2B-354A7A489EB6}" type="datetimeFigureOut">
               <a:rPr lang="it-IT" smtClean="0"/>
-              <a:t>23/06/2021</a:t>
+              <a:t>24/06/2021</a:t>
             </a:fld>
             <a:endParaRPr lang="it-IT"/>
           </a:p>
@@ -578,7 +578,7 @@
           <a:p>
             <a:fld id="{D98EE9EE-A74D-4412-94DD-33E68A97493E}" type="slidenum">
               <a:rPr lang="it-IT" smtClean="0"/>
-              <a:t>‹N›</a:t>
+              <a:t>‹#›</a:t>
             </a:fld>
             <a:endParaRPr lang="it-IT"/>
           </a:p>
@@ -1320,7 +1320,7 @@
           <a:p>
             <a:fld id="{5DD6F1BA-2510-46FC-9346-AB1F3CA1593B}" type="slidenum">
               <a:rPr lang="it-IT" smtClean="0"/>
-              <a:t>‹N›</a:t>
+              <a:t>‹#›</a:t>
             </a:fld>
             <a:endParaRPr lang="it-IT"/>
           </a:p>
@@ -1589,7 +1589,7 @@
           <a:p>
             <a:fld id="{5DD6F1BA-2510-46FC-9346-AB1F3CA1593B}" type="slidenum">
               <a:rPr lang="it-IT" smtClean="0"/>
-              <a:t>‹N›</a:t>
+              <a:t>‹#›</a:t>
             </a:fld>
             <a:endParaRPr lang="it-IT"/>
           </a:p>
@@ -1773,7 +1773,7 @@
           <a:p>
             <a:fld id="{5DD6F1BA-2510-46FC-9346-AB1F3CA1593B}" type="slidenum">
               <a:rPr lang="it-IT" smtClean="0"/>
-              <a:t>‹N›</a:t>
+              <a:t>‹#›</a:t>
             </a:fld>
             <a:endParaRPr lang="it-IT"/>
           </a:p>
@@ -1962,7 +1962,7 @@
           <a:p>
             <a:fld id="{5DD6F1BA-2510-46FC-9346-AB1F3CA1593B}" type="slidenum">
               <a:rPr lang="it-IT" smtClean="0"/>
-              <a:t>‹N›</a:t>
+              <a:t>‹#›</a:t>
             </a:fld>
             <a:endParaRPr lang="it-IT"/>
           </a:p>
@@ -2143,7 +2143,7 @@
           <a:p>
             <a:fld id="{5DD6F1BA-2510-46FC-9346-AB1F3CA1593B}" type="slidenum">
               <a:rPr lang="it-IT" smtClean="0"/>
-              <a:t>‹N›</a:t>
+              <a:t>‹#›</a:t>
             </a:fld>
             <a:endParaRPr lang="it-IT"/>
           </a:p>
@@ -2362,7 +2362,7 @@
           <a:p>
             <a:fld id="{5DD6F1BA-2510-46FC-9346-AB1F3CA1593B}" type="slidenum">
               <a:rPr lang="it-IT" smtClean="0"/>
-              <a:t>‹N›</a:t>
+              <a:t>‹#›</a:t>
             </a:fld>
             <a:endParaRPr lang="it-IT"/>
           </a:p>
@@ -2551,7 +2551,7 @@
           <a:p>
             <a:fld id="{5DD6F1BA-2510-46FC-9346-AB1F3CA1593B}" type="slidenum">
               <a:rPr lang="it-IT" smtClean="0"/>
-              <a:t>‹N›</a:t>
+              <a:t>‹#›</a:t>
             </a:fld>
             <a:endParaRPr lang="it-IT"/>
           </a:p>
@@ -2907,7 +2907,7 @@
           <a:p>
             <a:fld id="{5DD6F1BA-2510-46FC-9346-AB1F3CA1593B}" type="slidenum">
               <a:rPr lang="it-IT" smtClean="0"/>
-              <a:t>‹N›</a:t>
+              <a:t>‹#›</a:t>
             </a:fld>
             <a:endParaRPr lang="it-IT"/>
           </a:p>
@@ -3154,7 +3154,7 @@
           <a:p>
             <a:fld id="{5DD6F1BA-2510-46FC-9346-AB1F3CA1593B}" type="slidenum">
               <a:rPr lang="it-IT" smtClean="0"/>
-              <a:t>‹N›</a:t>
+              <a:t>‹#›</a:t>
             </a:fld>
             <a:endParaRPr lang="it-IT"/>
           </a:p>
@@ -3582,7 +3582,7 @@
           <a:p>
             <a:fld id="{5DD6F1BA-2510-46FC-9346-AB1F3CA1593B}" type="slidenum">
               <a:rPr lang="it-IT" smtClean="0"/>
-              <a:t>‹N›</a:t>
+              <a:t>‹#›</a:t>
             </a:fld>
             <a:endParaRPr lang="it-IT"/>
           </a:p>
@@ -3706,7 +3706,7 @@
           <a:p>
             <a:fld id="{5DD6F1BA-2510-46FC-9346-AB1F3CA1593B}" type="slidenum">
               <a:rPr lang="it-IT" smtClean="0"/>
-              <a:t>‹N›</a:t>
+              <a:t>‹#›</a:t>
             </a:fld>
             <a:endParaRPr lang="it-IT"/>
           </a:p>
@@ -3827,7 +3827,7 @@
           <a:p>
             <a:fld id="{5DD6F1BA-2510-46FC-9346-AB1F3CA1593B}" type="slidenum">
               <a:rPr lang="it-IT" smtClean="0"/>
-              <a:t>‹N›</a:t>
+              <a:t>‹#›</a:t>
             </a:fld>
             <a:endParaRPr lang="it-IT"/>
           </a:p>
@@ -4080,7 +4080,7 @@
             <a:fld id="{5DD6F1BA-2510-46FC-9346-AB1F3CA1593B}" type="slidenum">
               <a:rPr lang="en-US" smtClean="0"/>
               <a:pPr/>
-              <a:t>‹N›</a:t>
+              <a:t>‹#›</a:t>
             </a:fld>
             <a:endParaRPr lang="en-US" dirty="0"/>
           </a:p>
@@ -9743,7 +9743,7 @@
             </a:r>
             <a:r>
               <a:rPr lang="it-IT" dirty="0"/>
-              <a:t> rappresenta un set di dati in forma relazionale </a:t>
+              <a:t> rappresenta dati in forma relazionale </a:t>
             </a:r>
           </a:p>
           <a:p>
